--- a/report_and_paper/PPT_Slides.pptx
+++ b/report_and_paper/PPT_Slides.pptx
@@ -225,7 +225,7 @@
           <a:p>
             <a:fld id="{F6ACD071-9E11-402B-BF5E-135B91511F07}" type="datetimeFigureOut">
               <a:rPr lang="en-IN" smtClean="0"/>
-              <a:t>29-09-2025</a:t>
+              <a:t>30-10-2025</a:t>
             </a:fld>
             <a:endParaRPr lang="en-IN"/>
           </a:p>
@@ -781,7 +781,7 @@
           <a:p>
             <a:fld id="{59E882AD-034D-4C75-91A6-209E453912EE}" type="datetimeFigureOut">
               <a:rPr lang="en-IN" smtClean="0"/>
-              <a:t>29-09-2025</a:t>
+              <a:t>30-10-2025</a:t>
             </a:fld>
             <a:endParaRPr lang="en-IN"/>
           </a:p>
@@ -946,7 +946,7 @@
           <a:p>
             <a:fld id="{59E882AD-034D-4C75-91A6-209E453912EE}" type="datetimeFigureOut">
               <a:rPr lang="en-IN" smtClean="0"/>
-              <a:t>29-09-2025</a:t>
+              <a:t>30-10-2025</a:t>
             </a:fld>
             <a:endParaRPr lang="en-IN"/>
           </a:p>
@@ -1121,7 +1121,7 @@
           <a:p>
             <a:fld id="{59E882AD-034D-4C75-91A6-209E453912EE}" type="datetimeFigureOut">
               <a:rPr lang="en-IN" smtClean="0"/>
-              <a:t>29-09-2025</a:t>
+              <a:t>30-10-2025</a:t>
             </a:fld>
             <a:endParaRPr lang="en-IN"/>
           </a:p>
@@ -1286,7 +1286,7 @@
           <a:p>
             <a:fld id="{59E882AD-034D-4C75-91A6-209E453912EE}" type="datetimeFigureOut">
               <a:rPr lang="en-IN" smtClean="0"/>
-              <a:t>29-09-2025</a:t>
+              <a:t>30-10-2025</a:t>
             </a:fld>
             <a:endParaRPr lang="en-IN"/>
           </a:p>
@@ -1527,7 +1527,7 @@
           <a:p>
             <a:fld id="{59E882AD-034D-4C75-91A6-209E453912EE}" type="datetimeFigureOut">
               <a:rPr lang="en-IN" smtClean="0"/>
-              <a:t>29-09-2025</a:t>
+              <a:t>30-10-2025</a:t>
             </a:fld>
             <a:endParaRPr lang="en-IN"/>
           </a:p>
@@ -1810,7 +1810,7 @@
           <a:p>
             <a:fld id="{59E882AD-034D-4C75-91A6-209E453912EE}" type="datetimeFigureOut">
               <a:rPr lang="en-IN" smtClean="0"/>
-              <a:t>29-09-2025</a:t>
+              <a:t>30-10-2025</a:t>
             </a:fld>
             <a:endParaRPr lang="en-IN"/>
           </a:p>
@@ -2227,7 +2227,7 @@
           <a:p>
             <a:fld id="{59E882AD-034D-4C75-91A6-209E453912EE}" type="datetimeFigureOut">
               <a:rPr lang="en-IN" smtClean="0"/>
-              <a:t>29-09-2025</a:t>
+              <a:t>30-10-2025</a:t>
             </a:fld>
             <a:endParaRPr lang="en-IN"/>
           </a:p>
@@ -2340,7 +2340,7 @@
           <a:p>
             <a:fld id="{59E882AD-034D-4C75-91A6-209E453912EE}" type="datetimeFigureOut">
               <a:rPr lang="en-IN" smtClean="0"/>
-              <a:t>29-09-2025</a:t>
+              <a:t>30-10-2025</a:t>
             </a:fld>
             <a:endParaRPr lang="en-IN"/>
           </a:p>
@@ -2430,7 +2430,7 @@
           <a:p>
             <a:fld id="{59E882AD-034D-4C75-91A6-209E453912EE}" type="datetimeFigureOut">
               <a:rPr lang="en-IN" smtClean="0"/>
-              <a:t>29-09-2025</a:t>
+              <a:t>30-10-2025</a:t>
             </a:fld>
             <a:endParaRPr lang="en-IN"/>
           </a:p>
@@ -2702,7 +2702,7 @@
           <a:p>
             <a:fld id="{59E882AD-034D-4C75-91A6-209E453912EE}" type="datetimeFigureOut">
               <a:rPr lang="en-IN" smtClean="0"/>
-              <a:t>29-09-2025</a:t>
+              <a:t>30-10-2025</a:t>
             </a:fld>
             <a:endParaRPr lang="en-IN"/>
           </a:p>
@@ -2950,7 +2950,7 @@
           <a:p>
             <a:fld id="{59E882AD-034D-4C75-91A6-209E453912EE}" type="datetimeFigureOut">
               <a:rPr lang="en-IN" smtClean="0"/>
-              <a:t>29-09-2025</a:t>
+              <a:t>30-10-2025</a:t>
             </a:fld>
             <a:endParaRPr lang="en-IN"/>
           </a:p>
@@ -3158,7 +3158,7 @@
           <a:p>
             <a:fld id="{59E882AD-034D-4C75-91A6-209E453912EE}" type="datetimeFigureOut">
               <a:rPr lang="en-IN" smtClean="0"/>
-              <a:t>29-09-2025</a:t>
+              <a:t>30-10-2025</a:t>
             </a:fld>
             <a:endParaRPr lang="en-IN"/>
           </a:p>
@@ -4619,12 +4619,21 @@
                 <a:latin typeface="Times New Roman" panose="02020603050405020304" pitchFamily="18" charset="0"/>
                 <a:cs typeface="Times New Roman" panose="02020603050405020304" pitchFamily="18" charset="0"/>
               </a:rPr>
-              <a:t> AVERAGE MARKS VS DROUPOUT STATUS</a:t>
-            </a:r>
-            <a:endParaRPr lang="en-IN" sz="3200" dirty="0">
-              <a:latin typeface="Times New Roman" panose="02020603050405020304" pitchFamily="18" charset="0"/>
-              <a:cs typeface="Times New Roman" panose="02020603050405020304" pitchFamily="18" charset="0"/>
-            </a:endParaRPr>
+              <a:t> AVERAGE MARKS VS DROUPOUT </a:t>
+            </a:r>
+            <a:br>
+              <a:rPr lang="en-IN" sz="3200" b="1" dirty="0">
+                <a:latin typeface="Times New Roman" panose="02020603050405020304" pitchFamily="18" charset="0"/>
+                <a:cs typeface="Times New Roman" panose="02020603050405020304" pitchFamily="18" charset="0"/>
+              </a:rPr>
+            </a:br>
+            <a:r>
+              <a:rPr lang="en-IN" sz="3200" b="1" dirty="0">
+                <a:latin typeface="Times New Roman" panose="02020603050405020304" pitchFamily="18" charset="0"/>
+                <a:cs typeface="Times New Roman" panose="02020603050405020304" pitchFamily="18" charset="0"/>
+              </a:rPr>
+              <a:t>RATE</a:t>
+            </a:r>
           </a:p>
         </p:txBody>
       </p:sp>
@@ -4893,8 +4902,8 @@
         </p:nvSpPr>
         <p:spPr>
           <a:xfrm rot="10800000" flipV="1">
-            <a:off x="3275965" y="5956935"/>
-            <a:ext cx="3347085" cy="591820"/>
+            <a:off x="1835784" y="5957251"/>
+            <a:ext cx="6552639" cy="724897"/>
           </a:xfrm>
           <a:prstGeom prst="rect">
             <a:avLst/>
@@ -4908,13 +4917,29 @@
           <a:lstStyle/>
           <a:p>
             <a:r>
-              <a:rPr lang="en-IN" altLang="en-US" b="1">
+              <a:rPr lang="en-IN" altLang="en-US" b="1" dirty="0">
                 <a:latin typeface="Times New Roman" panose="02020603050405020304" pitchFamily="18" charset="0"/>
                 <a:cs typeface="Times New Roman" panose="02020603050405020304" pitchFamily="18" charset="0"/>
                 <a:sym typeface="+mn-ea"/>
               </a:rPr>
-              <a:t>    Fig 4.Dropout Feedback</a:t>
-            </a:r>
+              <a:t>    Fig 4.</a:t>
+            </a:r>
+            <a:r>
+              <a:rPr lang="en-US" dirty="0"/>
+              <a:t> </a:t>
+            </a:r>
+            <a:r>
+              <a:rPr lang="en-US" b="1" dirty="0">
+                <a:latin typeface="Times New Roman" panose="02020603050405020304" pitchFamily="18" charset="0"/>
+                <a:cs typeface="Times New Roman" panose="02020603050405020304" pitchFamily="18" charset="0"/>
+              </a:rPr>
+              <a:t>Student Dropout Feedback Collection Module</a:t>
+            </a:r>
+            <a:endParaRPr lang="en-IN" altLang="en-US" b="1" dirty="0">
+              <a:latin typeface="Times New Roman" panose="02020603050405020304" pitchFamily="18" charset="0"/>
+              <a:cs typeface="Times New Roman" panose="02020603050405020304" pitchFamily="18" charset="0"/>
+              <a:sym typeface="+mn-ea"/>
+            </a:endParaRPr>
           </a:p>
         </p:txBody>
       </p:sp>
